--- a/06. spring/09. mvc 값 처리/board jsp 패키지 정리(0517)_정리전.pptx
+++ b/06. spring/09. mvc 값 처리/board jsp 패키지 정리(0517)_정리전.pptx
@@ -307,7 +307,7 @@
           <a:p>
             <a:fld id="{FCC0D3EC-E954-4ED2-891C-89BEF2F4A276}" type="datetimeFigureOut">
               <a:rPr lang="ko-KR" altLang="en-US" smtClean="0"/>
-              <a:t>2024-05-17</a:t>
+              <a:t>2024-05-18</a:t>
             </a:fld>
             <a:endParaRPr lang="ko-KR" altLang="en-US"/>
           </a:p>
@@ -475,7 +475,7 @@
           <a:p>
             <a:fld id="{FCC0D3EC-E954-4ED2-891C-89BEF2F4A276}" type="datetimeFigureOut">
               <a:rPr lang="ko-KR" altLang="en-US" smtClean="0"/>
-              <a:t>2024-05-17</a:t>
+              <a:t>2024-05-18</a:t>
             </a:fld>
             <a:endParaRPr lang="ko-KR" altLang="en-US"/>
           </a:p>
@@ -653,7 +653,7 @@
           <a:p>
             <a:fld id="{FCC0D3EC-E954-4ED2-891C-89BEF2F4A276}" type="datetimeFigureOut">
               <a:rPr lang="ko-KR" altLang="en-US" smtClean="0"/>
-              <a:t>2024-05-17</a:t>
+              <a:t>2024-05-18</a:t>
             </a:fld>
             <a:endParaRPr lang="ko-KR" altLang="en-US"/>
           </a:p>
@@ -821,7 +821,7 @@
           <a:p>
             <a:fld id="{FCC0D3EC-E954-4ED2-891C-89BEF2F4A276}" type="datetimeFigureOut">
               <a:rPr lang="ko-KR" altLang="en-US" smtClean="0"/>
-              <a:t>2024-05-17</a:t>
+              <a:t>2024-05-18</a:t>
             </a:fld>
             <a:endParaRPr lang="ko-KR" altLang="en-US"/>
           </a:p>
@@ -1066,7 +1066,7 @@
           <a:p>
             <a:fld id="{FCC0D3EC-E954-4ED2-891C-89BEF2F4A276}" type="datetimeFigureOut">
               <a:rPr lang="ko-KR" altLang="en-US" smtClean="0"/>
-              <a:t>2024-05-17</a:t>
+              <a:t>2024-05-18</a:t>
             </a:fld>
             <a:endParaRPr lang="ko-KR" altLang="en-US"/>
           </a:p>
@@ -1351,7 +1351,7 @@
           <a:p>
             <a:fld id="{FCC0D3EC-E954-4ED2-891C-89BEF2F4A276}" type="datetimeFigureOut">
               <a:rPr lang="ko-KR" altLang="en-US" smtClean="0"/>
-              <a:t>2024-05-17</a:t>
+              <a:t>2024-05-18</a:t>
             </a:fld>
             <a:endParaRPr lang="ko-KR" altLang="en-US"/>
           </a:p>
@@ -1770,7 +1770,7 @@
           <a:p>
             <a:fld id="{FCC0D3EC-E954-4ED2-891C-89BEF2F4A276}" type="datetimeFigureOut">
               <a:rPr lang="ko-KR" altLang="en-US" smtClean="0"/>
-              <a:t>2024-05-17</a:t>
+              <a:t>2024-05-18</a:t>
             </a:fld>
             <a:endParaRPr lang="ko-KR" altLang="en-US"/>
           </a:p>
@@ -1887,7 +1887,7 @@
           <a:p>
             <a:fld id="{FCC0D3EC-E954-4ED2-891C-89BEF2F4A276}" type="datetimeFigureOut">
               <a:rPr lang="ko-KR" altLang="en-US" smtClean="0"/>
-              <a:t>2024-05-17</a:t>
+              <a:t>2024-05-18</a:t>
             </a:fld>
             <a:endParaRPr lang="ko-KR" altLang="en-US"/>
           </a:p>
@@ -1982,7 +1982,7 @@
           <a:p>
             <a:fld id="{FCC0D3EC-E954-4ED2-891C-89BEF2F4A276}" type="datetimeFigureOut">
               <a:rPr lang="ko-KR" altLang="en-US" smtClean="0"/>
-              <a:t>2024-05-17</a:t>
+              <a:t>2024-05-18</a:t>
             </a:fld>
             <a:endParaRPr lang="ko-KR" altLang="en-US"/>
           </a:p>
@@ -2257,7 +2257,7 @@
           <a:p>
             <a:fld id="{FCC0D3EC-E954-4ED2-891C-89BEF2F4A276}" type="datetimeFigureOut">
               <a:rPr lang="ko-KR" altLang="en-US" smtClean="0"/>
-              <a:t>2024-05-17</a:t>
+              <a:t>2024-05-18</a:t>
             </a:fld>
             <a:endParaRPr lang="ko-KR" altLang="en-US"/>
           </a:p>
@@ -2509,7 +2509,7 @@
           <a:p>
             <a:fld id="{FCC0D3EC-E954-4ED2-891C-89BEF2F4A276}" type="datetimeFigureOut">
               <a:rPr lang="ko-KR" altLang="en-US" smtClean="0"/>
-              <a:t>2024-05-17</a:t>
+              <a:t>2024-05-18</a:t>
             </a:fld>
             <a:endParaRPr lang="ko-KR" altLang="en-US"/>
           </a:p>
@@ -2723,7 +2723,7 @@
             <a:fld id="{FCC0D3EC-E954-4ED2-891C-89BEF2F4A276}" type="datetimeFigureOut">
               <a:rPr lang="ko-KR" altLang="en-US" smtClean="0"/>
               <a:pPr/>
-              <a:t>2024-05-17</a:t>
+              <a:t>2024-05-18</a:t>
             </a:fld>
             <a:endParaRPr lang="ko-KR" altLang="en-US" dirty="0"/>
           </a:p>
@@ -5949,231 +5949,6 @@
           </p:spPr>
         </p:pic>
       </p:grpSp>
-      <p:grpSp>
-        <p:nvGrpSpPr>
-          <p:cNvPr id="36" name="그룹 35">
-            <a:extLst>
-              <a:ext uri="{FF2B5EF4-FFF2-40B4-BE49-F238E27FC236}">
-                <a16:creationId xmlns:a16="http://schemas.microsoft.com/office/drawing/2014/main" id="{40188360-3465-61D6-926F-9CD43E735C9D}"/>
-              </a:ext>
-            </a:extLst>
-          </p:cNvPr>
-          <p:cNvGrpSpPr/>
-          <p:nvPr/>
-        </p:nvGrpSpPr>
-        <p:grpSpPr>
-          <a:xfrm>
-            <a:off x="922013" y="1333025"/>
-            <a:ext cx="1075793" cy="1075793"/>
-            <a:chOff x="5783731" y="1218947"/>
-            <a:chExt cx="1496785" cy="1496785"/>
-          </a:xfrm>
-        </p:grpSpPr>
-        <p:pic>
-          <p:nvPicPr>
-            <p:cNvPr id="35" name="그림 34">
-              <a:extLst>
-                <a:ext uri="{FF2B5EF4-FFF2-40B4-BE49-F238E27FC236}">
-                  <a16:creationId xmlns:a16="http://schemas.microsoft.com/office/drawing/2014/main" id="{54B61383-501D-FEB8-2FA9-7E96BA10AB37}"/>
-                </a:ext>
-              </a:extLst>
-            </p:cNvPr>
-            <p:cNvPicPr>
-              <a:picLocks noChangeAspect="1"/>
-            </p:cNvPicPr>
-            <p:nvPr/>
-          </p:nvPicPr>
-          <p:blipFill>
-            <a:blip r:embed="rId6">
-              <a:alphaModFix amt="50000"/>
-              <a:extLst>
-                <a:ext uri="{28A0092B-C50C-407E-A947-70E740481C1C}">
-                  <a14:useLocalDpi xmlns:a14="http://schemas.microsoft.com/office/drawing/2010/main" val="0"/>
-                </a:ext>
-              </a:extLst>
-            </a:blip>
-            <a:stretch>
-              <a:fillRect/>
-            </a:stretch>
-          </p:blipFill>
-          <p:spPr>
-            <a:xfrm>
-              <a:off x="5783731" y="1218947"/>
-              <a:ext cx="1496785" cy="1496785"/>
-            </a:xfrm>
-            <a:prstGeom prst="rect">
-              <a:avLst/>
-            </a:prstGeom>
-          </p:spPr>
-        </p:pic>
-        <p:sp>
-          <p:nvSpPr>
-            <p:cNvPr id="12" name="직사각형 11">
-              <a:extLst>
-                <a:ext uri="{FF2B5EF4-FFF2-40B4-BE49-F238E27FC236}">
-                  <a16:creationId xmlns:a16="http://schemas.microsoft.com/office/drawing/2014/main" id="{E45BBC79-FD08-40F8-AB54-A866FD12D9DC}"/>
-                </a:ext>
-              </a:extLst>
-            </p:cNvPr>
-            <p:cNvSpPr/>
-            <p:nvPr/>
-          </p:nvSpPr>
-          <p:spPr>
-            <a:xfrm>
-              <a:off x="6137295" y="1257453"/>
-              <a:ext cx="789657" cy="536620"/>
-            </a:xfrm>
-            <a:prstGeom prst="rect">
-              <a:avLst/>
-            </a:prstGeom>
-            <a:noFill/>
-            <a:ln>
-              <a:noFill/>
-            </a:ln>
-          </p:spPr>
-          <p:style>
-            <a:lnRef idx="2">
-              <a:schemeClr val="accent1"/>
-            </a:lnRef>
-            <a:fillRef idx="1">
-              <a:schemeClr val="lt1"/>
-            </a:fillRef>
-            <a:effectRef idx="0">
-              <a:schemeClr val="accent1"/>
-            </a:effectRef>
-            <a:fontRef idx="minor">
-              <a:schemeClr val="dk1"/>
-            </a:fontRef>
-          </p:style>
-          <p:txBody>
-            <a:bodyPr rtlCol="0" anchor="ctr"/>
-            <a:lstStyle/>
-            <a:p>
-              <a:pPr algn="ctr"/>
-              <a:r>
-                <a:rPr lang="en-US" altLang="ko-KR" sz="1600" dirty="0">
-                  <a:latin typeface="나눔스퀘어OTF_ac Bold" panose="020B0600000101010101" pitchFamily="34" charset="-127"/>
-                  <a:ea typeface="나눔스퀘어OTF_ac Bold" panose="020B0600000101010101" pitchFamily="34" charset="-127"/>
-                </a:rPr>
-                <a:t>DB</a:t>
-              </a:r>
-              <a:endParaRPr lang="ko-KR" altLang="en-US" sz="1600" dirty="0">
-                <a:latin typeface="나눔스퀘어OTF_ac Bold" panose="020B0600000101010101" pitchFamily="34" charset="-127"/>
-                <a:ea typeface="나눔스퀘어OTF_ac Bold" panose="020B0600000101010101" pitchFamily="34" charset="-127"/>
-              </a:endParaRPr>
-            </a:p>
-          </p:txBody>
-        </p:sp>
-      </p:grpSp>
-      <p:sp>
-        <p:nvSpPr>
-          <p:cNvPr id="37" name="사각형: 둥근 모서리 36">
-            <a:extLst>
-              <a:ext uri="{FF2B5EF4-FFF2-40B4-BE49-F238E27FC236}">
-                <a16:creationId xmlns:a16="http://schemas.microsoft.com/office/drawing/2014/main" id="{EF23B345-7BAA-65C0-0027-C240F95F606E}"/>
-              </a:ext>
-            </a:extLst>
-          </p:cNvPr>
-          <p:cNvSpPr/>
-          <p:nvPr/>
-        </p:nvSpPr>
-        <p:spPr>
-          <a:xfrm>
-            <a:off x="6351029" y="3561154"/>
-            <a:ext cx="1838132" cy="912232"/>
-          </a:xfrm>
-          <a:prstGeom prst="roundRect">
-            <a:avLst/>
-          </a:prstGeom>
-          <a:solidFill>
-            <a:srgbClr val="BDE0FE"/>
-          </a:solidFill>
-          <a:ln>
-            <a:noFill/>
-          </a:ln>
-        </p:spPr>
-        <p:style>
-          <a:lnRef idx="2">
-            <a:schemeClr val="accent1">
-              <a:shade val="50000"/>
-            </a:schemeClr>
-          </a:lnRef>
-          <a:fillRef idx="1">
-            <a:schemeClr val="accent1"/>
-          </a:fillRef>
-          <a:effectRef idx="0">
-            <a:schemeClr val="accent1"/>
-          </a:effectRef>
-          <a:fontRef idx="minor">
-            <a:schemeClr val="lt1"/>
-          </a:fontRef>
-        </p:style>
-        <p:txBody>
-          <a:bodyPr rtlCol="0" anchor="ctr"/>
-          <a:lstStyle/>
-          <a:p>
-            <a:pPr algn="ctr">
-              <a:lnSpc>
-                <a:spcPts val="2000"/>
-              </a:lnSpc>
-            </a:pPr>
-            <a:r>
-              <a:rPr lang="en-US" altLang="ko-KR" sz="1600" dirty="0" err="1">
-                <a:solidFill>
-                  <a:schemeClr val="dk1"/>
-                </a:solidFill>
-                <a:latin typeface="나눔스퀘어OTF_ac Bold" panose="020B0600000101010101" pitchFamily="34" charset="-127"/>
-                <a:ea typeface="나눔스퀘어OTF_ac Bold" panose="020B0600000101010101" pitchFamily="34" charset="-127"/>
-              </a:rPr>
-              <a:t>SqlMapper</a:t>
-            </a:r>
-            <a:endParaRPr lang="en-US" altLang="ko-KR" sz="1600" dirty="0">
-              <a:solidFill>
-                <a:schemeClr val="dk1"/>
-              </a:solidFill>
-              <a:latin typeface="나눔스퀘어OTF_ac Bold" panose="020B0600000101010101" pitchFamily="34" charset="-127"/>
-              <a:ea typeface="나눔스퀘어OTF_ac Bold" panose="020B0600000101010101" pitchFamily="34" charset="-127"/>
-            </a:endParaRPr>
-          </a:p>
-          <a:p>
-            <a:pPr algn="ctr">
-              <a:lnSpc>
-                <a:spcPts val="2000"/>
-              </a:lnSpc>
-            </a:pPr>
-            <a:r>
-              <a:rPr lang="en-US" altLang="ko-KR" sz="1400" dirty="0">
-                <a:solidFill>
-                  <a:schemeClr val="dk1"/>
-                </a:solidFill>
-                <a:latin typeface="나눔스퀘어OTF_ac Bold" panose="020B0600000101010101" pitchFamily="34" charset="-127"/>
-                <a:ea typeface="나눔스퀘어OTF_ac Bold" panose="020B0600000101010101" pitchFamily="34" charset="-127"/>
-              </a:rPr>
-              <a:t>(</a:t>
-            </a:r>
-            <a:r>
-              <a:rPr lang="en-US" altLang="ko-KR" sz="1400" dirty="0" err="1">
-                <a:solidFill>
-                  <a:schemeClr val="accent2"/>
-                </a:solidFill>
-                <a:latin typeface="나눔스퀘어OTF_ac Bold" panose="020B0600000101010101" pitchFamily="34" charset="-127"/>
-                <a:ea typeface="나눔스퀘어OTF_ac Bold" panose="020B0600000101010101" pitchFamily="34" charset="-127"/>
-              </a:rPr>
-              <a:t>MyBatis</a:t>
-            </a:r>
-            <a:r>
-              <a:rPr lang="en-US" altLang="ko-KR" sz="1400" dirty="0">
-                <a:solidFill>
-                  <a:schemeClr val="dk1"/>
-                </a:solidFill>
-                <a:latin typeface="나눔스퀘어OTF_ac Bold" panose="020B0600000101010101" pitchFamily="34" charset="-127"/>
-                <a:ea typeface="나눔스퀘어OTF_ac Bold" panose="020B0600000101010101" pitchFamily="34" charset="-127"/>
-              </a:rPr>
-              <a:t>)</a:t>
-            </a:r>
-          </a:p>
-        </p:txBody>
-      </p:sp>
       <p:sp>
         <p:nvSpPr>
           <p:cNvPr id="43" name="사각형: 둥근 모서리 42">
@@ -6457,8 +6232,8 @@
         </p:nvGrpSpPr>
         <p:grpSpPr>
           <a:xfrm>
-            <a:off x="298855" y="260648"/>
-            <a:ext cx="2126164" cy="664596"/>
+            <a:off x="298854" y="260648"/>
+            <a:ext cx="3825483" cy="664596"/>
             <a:chOff x="179512" y="250285"/>
             <a:chExt cx="2126164" cy="664596"/>
           </a:xfrm>
@@ -6518,7 +6293,33 @@
                   <a:latin typeface="나눔스퀘어OTF_ac Bold" panose="020B0600000101010101" pitchFamily="34" charset="-127"/>
                   <a:ea typeface="나눔스퀘어OTF_ac Bold" panose="020B0600000101010101" pitchFamily="34" charset="-127"/>
                 </a:rPr>
-                <a:t>개발자 작성 순서</a:t>
+                <a:t>개발자 작성 순서 </a:t>
+              </a:r>
+              <a:r>
+                <a:rPr lang="en-US" altLang="ko-KR" sz="2000" dirty="0">
+                  <a:solidFill>
+                    <a:schemeClr val="tx1">
+                      <a:lumMod val="75000"/>
+                      <a:lumOff val="25000"/>
+                    </a:schemeClr>
+                  </a:solidFill>
+                  <a:latin typeface="나눔스퀘어OTF_ac Bold" panose="020B0600000101010101" pitchFamily="34" charset="-127"/>
+                  <a:ea typeface="나눔스퀘어OTF_ac Bold" panose="020B0600000101010101" pitchFamily="34" charset="-127"/>
+                </a:rPr>
+                <a:t>– 1. </a:t>
+              </a:r>
+              <a:r>
+                <a:rPr lang="ko-KR" altLang="en-US" sz="2000" dirty="0">
+                  <a:solidFill>
+                    <a:schemeClr val="tx1">
+                      <a:lumMod val="75000"/>
+                      <a:lumOff val="25000"/>
+                    </a:schemeClr>
+                  </a:solidFill>
+                  <a:latin typeface="나눔스퀘어OTF_ac Bold" panose="020B0600000101010101" pitchFamily="34" charset="-127"/>
+                  <a:ea typeface="나눔스퀘어OTF_ac Bold" panose="020B0600000101010101" pitchFamily="34" charset="-127"/>
+                </a:rPr>
+                <a:t>기본설정</a:t>
               </a:r>
             </a:p>
           </p:txBody>
@@ -7455,10 +7256,10 @@
       </p:sp>
       <p:grpSp>
         <p:nvGrpSpPr>
-          <p:cNvPr id="17" name="그룹 16">
+          <p:cNvPr id="5" name="그룹 4">
             <a:extLst>
               <a:ext uri="{FF2B5EF4-FFF2-40B4-BE49-F238E27FC236}">
-                <a16:creationId xmlns:a16="http://schemas.microsoft.com/office/drawing/2014/main" id="{5A68F540-DD17-D4DA-59D4-4AA6B0452C10}"/>
+                <a16:creationId xmlns:a16="http://schemas.microsoft.com/office/drawing/2014/main" id="{9A0D1FF9-12CD-A681-C526-32497B576AB1}"/>
               </a:ext>
             </a:extLst>
           </p:cNvPr>
@@ -7467,18 +7268,134 @@
         </p:nvGrpSpPr>
         <p:grpSpPr>
           <a:xfrm>
-            <a:off x="591427" y="3497331"/>
-            <a:ext cx="2114284" cy="2064910"/>
-            <a:chOff x="402768" y="4355565"/>
-            <a:chExt cx="2114284" cy="2064910"/>
+            <a:off x="6072067" y="1305207"/>
+            <a:ext cx="1190164" cy="853977"/>
+            <a:chOff x="1072946" y="1729567"/>
+            <a:chExt cx="1369443" cy="1166281"/>
           </a:xfrm>
         </p:grpSpPr>
+        <p:grpSp>
+          <p:nvGrpSpPr>
+            <p:cNvPr id="36" name="그룹 35">
+              <a:extLst>
+                <a:ext uri="{FF2B5EF4-FFF2-40B4-BE49-F238E27FC236}">
+                  <a16:creationId xmlns:a16="http://schemas.microsoft.com/office/drawing/2014/main" id="{40188360-3465-61D6-926F-9CD43E735C9D}"/>
+                </a:ext>
+              </a:extLst>
+            </p:cNvPr>
+            <p:cNvGrpSpPr/>
+            <p:nvPr/>
+          </p:nvGrpSpPr>
+          <p:grpSpPr>
+            <a:xfrm>
+              <a:off x="1140287" y="1729567"/>
+              <a:ext cx="1166281" cy="1166281"/>
+              <a:chOff x="5735124" y="1134551"/>
+              <a:chExt cx="1622684" cy="1622684"/>
+            </a:xfrm>
+          </p:grpSpPr>
+          <p:pic>
+            <p:nvPicPr>
+              <p:cNvPr id="35" name="그림 34">
+                <a:extLst>
+                  <a:ext uri="{FF2B5EF4-FFF2-40B4-BE49-F238E27FC236}">
+                    <a16:creationId xmlns:a16="http://schemas.microsoft.com/office/drawing/2014/main" id="{54B61383-501D-FEB8-2FA9-7E96BA10AB37}"/>
+                  </a:ext>
+                </a:extLst>
+              </p:cNvPr>
+              <p:cNvPicPr>
+                <a:picLocks noChangeAspect="1"/>
+              </p:cNvPicPr>
+              <p:nvPr/>
+            </p:nvPicPr>
+            <p:blipFill>
+              <a:blip r:embed="rId6">
+                <a:alphaModFix amt="50000"/>
+                <a:extLst>
+                  <a:ext uri="{28A0092B-C50C-407E-A947-70E740481C1C}">
+                    <a14:useLocalDpi xmlns:a14="http://schemas.microsoft.com/office/drawing/2010/main" val="0"/>
+                  </a:ext>
+                </a:extLst>
+              </a:blip>
+              <a:stretch>
+                <a:fillRect/>
+              </a:stretch>
+            </p:blipFill>
+            <p:spPr>
+              <a:xfrm>
+                <a:off x="5735124" y="1134551"/>
+                <a:ext cx="1622684" cy="1622684"/>
+              </a:xfrm>
+              <a:prstGeom prst="rect">
+                <a:avLst/>
+              </a:prstGeom>
+            </p:spPr>
+          </p:pic>
+          <p:sp>
+            <p:nvSpPr>
+              <p:cNvPr id="12" name="직사각형 11">
+                <a:extLst>
+                  <a:ext uri="{FF2B5EF4-FFF2-40B4-BE49-F238E27FC236}">
+                    <a16:creationId xmlns:a16="http://schemas.microsoft.com/office/drawing/2014/main" id="{E45BBC79-FD08-40F8-AB54-A866FD12D9DC}"/>
+                  </a:ext>
+                </a:extLst>
+              </p:cNvPr>
+              <p:cNvSpPr/>
+              <p:nvPr/>
+            </p:nvSpPr>
+            <p:spPr>
+              <a:xfrm>
+                <a:off x="6137295" y="1257453"/>
+                <a:ext cx="789657" cy="536620"/>
+              </a:xfrm>
+              <a:prstGeom prst="rect">
+                <a:avLst/>
+              </a:prstGeom>
+              <a:noFill/>
+              <a:ln>
+                <a:noFill/>
+              </a:ln>
+            </p:spPr>
+            <p:style>
+              <a:lnRef idx="2">
+                <a:schemeClr val="accent1"/>
+              </a:lnRef>
+              <a:fillRef idx="1">
+                <a:schemeClr val="lt1"/>
+              </a:fillRef>
+              <a:effectRef idx="0">
+                <a:schemeClr val="accent1"/>
+              </a:effectRef>
+              <a:fontRef idx="minor">
+                <a:schemeClr val="dk1"/>
+              </a:fontRef>
+            </p:style>
+            <p:txBody>
+              <a:bodyPr rtlCol="0" anchor="ctr"/>
+              <a:lstStyle/>
+              <a:p>
+                <a:pPr algn="ctr"/>
+                <a:r>
+                  <a:rPr lang="en-US" altLang="ko-KR" sz="1200" dirty="0">
+                    <a:latin typeface="나눔스퀘어OTF_ac Bold" panose="020B0600000101010101" pitchFamily="34" charset="-127"/>
+                    <a:ea typeface="나눔스퀘어OTF_ac Bold" panose="020B0600000101010101" pitchFamily="34" charset="-127"/>
+                  </a:rPr>
+                  <a:t>DB</a:t>
+                </a:r>
+                <a:endParaRPr lang="ko-KR" altLang="en-US" sz="1200" dirty="0">
+                  <a:latin typeface="나눔스퀘어OTF_ac Bold" panose="020B0600000101010101" pitchFamily="34" charset="-127"/>
+                  <a:ea typeface="나눔스퀘어OTF_ac Bold" panose="020B0600000101010101" pitchFamily="34" charset="-127"/>
+                </a:endParaRPr>
+              </a:p>
+            </p:txBody>
+          </p:sp>
+        </p:grpSp>
         <p:sp>
           <p:nvSpPr>
-            <p:cNvPr id="38" name="사각형: 둥근 모서리 37">
+            <p:cNvPr id="15" name="사각형: 둥근 모서리 14">
               <a:extLst>
                 <a:ext uri="{FF2B5EF4-FFF2-40B4-BE49-F238E27FC236}">
-                  <a16:creationId xmlns:a16="http://schemas.microsoft.com/office/drawing/2014/main" id="{5C9E316D-EFD3-49C7-47E3-ED122A56328E}"/>
+                  <a16:creationId xmlns:a16="http://schemas.microsoft.com/office/drawing/2014/main" id="{616F09C2-03A0-E0B6-6565-2154384034B1}"/>
                 </a:ext>
               </a:extLst>
             </p:cNvPr>
@@ -7487,141 +7404,19 @@
           </p:nvSpPr>
           <p:spPr>
             <a:xfrm>
-              <a:off x="402768" y="4355565"/>
-              <a:ext cx="2114284" cy="2064910"/>
+              <a:off x="1072946" y="2231087"/>
+              <a:ext cx="1369443" cy="441680"/>
             </a:xfrm>
             <a:prstGeom prst="roundRect">
               <a:avLst>
-                <a:gd name="adj" fmla="val 11862"/>
+                <a:gd name="adj" fmla="val 0"/>
               </a:avLst>
             </a:prstGeom>
             <a:solidFill>
-              <a:srgbClr val="FCFBF5"/>
+              <a:schemeClr val="bg1">
+                <a:alpha val="50000"/>
+              </a:schemeClr>
             </a:solidFill>
-            <a:ln>
-              <a:solidFill>
-                <a:srgbClr val="6CAEED"/>
-              </a:solidFill>
-            </a:ln>
-          </p:spPr>
-          <p:style>
-            <a:lnRef idx="2">
-              <a:schemeClr val="accent1">
-                <a:shade val="50000"/>
-              </a:schemeClr>
-            </a:lnRef>
-            <a:fillRef idx="1">
-              <a:schemeClr val="accent1"/>
-            </a:fillRef>
-            <a:effectRef idx="0">
-              <a:schemeClr val="accent1"/>
-            </a:effectRef>
-            <a:fontRef idx="minor">
-              <a:schemeClr val="lt1"/>
-            </a:fontRef>
-          </p:style>
-          <p:txBody>
-            <a:bodyPr rtlCol="0" anchor="ctr"/>
-            <a:lstStyle/>
-            <a:p>
-              <a:pPr algn="ctr"/>
-              <a:endParaRPr lang="ko-KR" altLang="en-US" sz="1600"/>
-            </a:p>
-          </p:txBody>
-        </p:sp>
-        <p:sp>
-          <p:nvSpPr>
-            <p:cNvPr id="39" name="사각형: 둥근 모서리 38">
-              <a:extLst>
-                <a:ext uri="{FF2B5EF4-FFF2-40B4-BE49-F238E27FC236}">
-                  <a16:creationId xmlns:a16="http://schemas.microsoft.com/office/drawing/2014/main" id="{84021975-F7BD-AEB9-D9F1-156F961B08D6}"/>
-                </a:ext>
-              </a:extLst>
-            </p:cNvPr>
-            <p:cNvSpPr/>
-            <p:nvPr/>
-          </p:nvSpPr>
-          <p:spPr>
-            <a:xfrm>
-              <a:off x="540844" y="4836299"/>
-              <a:ext cx="1838132" cy="453552"/>
-            </a:xfrm>
-            <a:prstGeom prst="roundRect">
-              <a:avLst/>
-            </a:prstGeom>
-            <a:solidFill>
-              <a:srgbClr val="89CFF0"/>
-            </a:solidFill>
-            <a:ln>
-              <a:noFill/>
-            </a:ln>
-          </p:spPr>
-          <p:style>
-            <a:lnRef idx="2">
-              <a:schemeClr val="accent1">
-                <a:shade val="50000"/>
-              </a:schemeClr>
-            </a:lnRef>
-            <a:fillRef idx="1">
-              <a:schemeClr val="accent1"/>
-            </a:fillRef>
-            <a:effectRef idx="0">
-              <a:schemeClr val="accent1"/>
-            </a:effectRef>
-            <a:fontRef idx="minor">
-              <a:schemeClr val="lt1"/>
-            </a:fontRef>
-          </p:style>
-          <p:txBody>
-            <a:bodyPr rtlCol="0" anchor="ctr"/>
-            <a:lstStyle/>
-            <a:p>
-              <a:pPr algn="ctr">
-                <a:lnSpc>
-                  <a:spcPts val="2000"/>
-                </a:lnSpc>
-              </a:pPr>
-              <a:r>
-                <a:rPr lang="en-US" altLang="ko-KR" sz="1400" dirty="0" err="1">
-                  <a:solidFill>
-                    <a:schemeClr val="dk1"/>
-                  </a:solidFill>
-                  <a:latin typeface="나눔스퀘어OTF_ac Bold" panose="020B0600000101010101" pitchFamily="34" charset="-127"/>
-                  <a:ea typeface="나눔스퀘어OTF_ac Bold" panose="020B0600000101010101" pitchFamily="34" charset="-127"/>
-                </a:rPr>
-                <a:t>RootAppContext</a:t>
-              </a:r>
-              <a:endParaRPr lang="en-US" altLang="ko-KR" sz="1400" dirty="0">
-                <a:solidFill>
-                  <a:schemeClr val="dk1"/>
-                </a:solidFill>
-                <a:latin typeface="나눔스퀘어OTF_ac Bold" panose="020B0600000101010101" pitchFamily="34" charset="-127"/>
-                <a:ea typeface="나눔스퀘어OTF_ac Bold" panose="020B0600000101010101" pitchFamily="34" charset="-127"/>
-              </a:endParaRPr>
-            </a:p>
-          </p:txBody>
-        </p:sp>
-        <p:sp>
-          <p:nvSpPr>
-            <p:cNvPr id="41" name="사각형: 둥근 모서리 40">
-              <a:extLst>
-                <a:ext uri="{FF2B5EF4-FFF2-40B4-BE49-F238E27FC236}">
-                  <a16:creationId xmlns:a16="http://schemas.microsoft.com/office/drawing/2014/main" id="{6A2A6044-33E4-C1B6-80EA-FEAB87914FEE}"/>
-                </a:ext>
-              </a:extLst>
-            </p:cNvPr>
-            <p:cNvSpPr/>
-            <p:nvPr/>
-          </p:nvSpPr>
-          <p:spPr>
-            <a:xfrm>
-              <a:off x="730641" y="4382748"/>
-              <a:ext cx="1458538" cy="453551"/>
-            </a:xfrm>
-            <a:prstGeom prst="roundRect">
-              <a:avLst/>
-            </a:prstGeom>
-            <a:noFill/>
             <a:ln>
               <a:noFill/>
             </a:ln>
@@ -7648,251 +7443,35 @@
             <a:p>
               <a:pPr algn="ctr"/>
               <a:r>
-                <a:rPr lang="en-US" altLang="ko-KR" sz="1600" dirty="0">
+                <a:rPr lang="en-US" altLang="ko-KR" sz="1200" dirty="0">
                   <a:solidFill>
-                    <a:schemeClr val="tx2"/>
+                    <a:schemeClr val="tx1">
+                      <a:lumMod val="75000"/>
+                      <a:lumOff val="25000"/>
+                    </a:schemeClr>
                   </a:solidFill>
                   <a:latin typeface="나눔스퀘어OTF_ac Bold" panose="020B0600000101010101" pitchFamily="34" charset="-127"/>
                   <a:ea typeface="나눔스퀘어OTF_ac Bold" panose="020B0600000101010101" pitchFamily="34" charset="-127"/>
                 </a:rPr>
-                <a:t>config</a:t>
+                <a:t>1. Table</a:t>
               </a:r>
-              <a:endParaRPr lang="ko-KR" altLang="en-US" sz="1600" dirty="0">
-                <a:solidFill>
-                  <a:schemeClr val="tx2"/>
-                </a:solidFill>
-                <a:latin typeface="나눔스퀘어OTF_ac Bold" panose="020B0600000101010101" pitchFamily="34" charset="-127"/>
-                <a:ea typeface="나눔스퀘어OTF_ac Bold" panose="020B0600000101010101" pitchFamily="34" charset="-127"/>
-              </a:endParaRPr>
-            </a:p>
-          </p:txBody>
-        </p:sp>
-        <p:sp>
-          <p:nvSpPr>
-            <p:cNvPr id="45" name="사각형: 둥근 모서리 44">
-              <a:extLst>
-                <a:ext uri="{FF2B5EF4-FFF2-40B4-BE49-F238E27FC236}">
-                  <a16:creationId xmlns:a16="http://schemas.microsoft.com/office/drawing/2014/main" id="{C4FC782A-A396-1DFB-99B0-70654D6B6609}"/>
-                </a:ext>
-              </a:extLst>
-            </p:cNvPr>
-            <p:cNvSpPr/>
-            <p:nvPr/>
-          </p:nvSpPr>
-          <p:spPr>
-            <a:xfrm>
-              <a:off x="540844" y="5351265"/>
-              <a:ext cx="1838132" cy="453552"/>
-            </a:xfrm>
-            <a:prstGeom prst="roundRect">
-              <a:avLst/>
-            </a:prstGeom>
-            <a:solidFill>
-              <a:srgbClr val="89CFF0"/>
-            </a:solidFill>
-            <a:ln>
-              <a:noFill/>
-            </a:ln>
-          </p:spPr>
-          <p:style>
-            <a:lnRef idx="2">
-              <a:schemeClr val="accent1">
-                <a:shade val="50000"/>
-              </a:schemeClr>
-            </a:lnRef>
-            <a:fillRef idx="1">
-              <a:schemeClr val="accent1"/>
-            </a:fillRef>
-            <a:effectRef idx="0">
-              <a:schemeClr val="accent1"/>
-            </a:effectRef>
-            <a:fontRef idx="minor">
-              <a:schemeClr val="lt1"/>
-            </a:fontRef>
-          </p:style>
-          <p:txBody>
-            <a:bodyPr rtlCol="0" anchor="ctr"/>
-            <a:lstStyle/>
-            <a:p>
-              <a:pPr algn="ctr">
-                <a:lnSpc>
-                  <a:spcPts val="2000"/>
-                </a:lnSpc>
-              </a:pPr>
               <a:r>
-                <a:rPr lang="en-US" altLang="ko-KR" sz="1400" dirty="0" err="1">
+                <a:rPr lang="ko-KR" altLang="en-US" sz="1200" dirty="0">
                   <a:solidFill>
-                    <a:schemeClr val="dk1"/>
+                    <a:schemeClr val="tx1">
+                      <a:lumMod val="75000"/>
+                      <a:lumOff val="25000"/>
+                    </a:schemeClr>
                   </a:solidFill>
                   <a:latin typeface="나눔스퀘어OTF_ac Bold" panose="020B0600000101010101" pitchFamily="34" charset="-127"/>
                   <a:ea typeface="나눔스퀘어OTF_ac Bold" panose="020B0600000101010101" pitchFamily="34" charset="-127"/>
                 </a:rPr>
-                <a:t>ServletAppContext</a:t>
+                <a:t> 작성</a:t>
               </a:r>
-              <a:endParaRPr lang="en-US" altLang="ko-KR" sz="1400" dirty="0">
-                <a:solidFill>
-                  <a:schemeClr val="dk1"/>
-                </a:solidFill>
-                <a:latin typeface="나눔스퀘어OTF_ac Bold" panose="020B0600000101010101" pitchFamily="34" charset="-127"/>
-                <a:ea typeface="나눔스퀘어OTF_ac Bold" panose="020B0600000101010101" pitchFamily="34" charset="-127"/>
-              </a:endParaRPr>
-            </a:p>
-          </p:txBody>
-        </p:sp>
-        <p:sp>
-          <p:nvSpPr>
-            <p:cNvPr id="46" name="사각형: 둥근 모서리 45">
-              <a:extLst>
-                <a:ext uri="{FF2B5EF4-FFF2-40B4-BE49-F238E27FC236}">
-                  <a16:creationId xmlns:a16="http://schemas.microsoft.com/office/drawing/2014/main" id="{8925ADE7-82EE-717E-1D28-DD65B9D922EB}"/>
-                </a:ext>
-              </a:extLst>
-            </p:cNvPr>
-            <p:cNvSpPr/>
-            <p:nvPr/>
-          </p:nvSpPr>
-          <p:spPr>
-            <a:xfrm>
-              <a:off x="540844" y="5857754"/>
-              <a:ext cx="1838132" cy="453552"/>
-            </a:xfrm>
-            <a:prstGeom prst="roundRect">
-              <a:avLst/>
-            </a:prstGeom>
-            <a:solidFill>
-              <a:srgbClr val="89CFF0"/>
-            </a:solidFill>
-            <a:ln>
-              <a:noFill/>
-            </a:ln>
-          </p:spPr>
-          <p:style>
-            <a:lnRef idx="2">
-              <a:schemeClr val="accent1">
-                <a:shade val="50000"/>
-              </a:schemeClr>
-            </a:lnRef>
-            <a:fillRef idx="1">
-              <a:schemeClr val="accent1"/>
-            </a:fillRef>
-            <a:effectRef idx="0">
-              <a:schemeClr val="accent1"/>
-            </a:effectRef>
-            <a:fontRef idx="minor">
-              <a:schemeClr val="lt1"/>
-            </a:fontRef>
-          </p:style>
-          <p:txBody>
-            <a:bodyPr rtlCol="0" anchor="ctr"/>
-            <a:lstStyle/>
-            <a:p>
-              <a:pPr algn="ctr">
-                <a:lnSpc>
-                  <a:spcPts val="2000"/>
-                </a:lnSpc>
-              </a:pPr>
-              <a:r>
-                <a:rPr lang="en-US" altLang="ko-KR" sz="1400" dirty="0" err="1">
-                  <a:solidFill>
-                    <a:schemeClr val="dk1"/>
-                  </a:solidFill>
-                  <a:latin typeface="나눔스퀘어OTF_ac Bold" panose="020B0600000101010101" pitchFamily="34" charset="-127"/>
-                  <a:ea typeface="나눔스퀘어OTF_ac Bold" panose="020B0600000101010101" pitchFamily="34" charset="-127"/>
-                </a:rPr>
-                <a:t>SpringConfigClass</a:t>
-              </a:r>
-              <a:endParaRPr lang="en-US" altLang="ko-KR" sz="1400" dirty="0">
-                <a:solidFill>
-                  <a:schemeClr val="dk1"/>
-                </a:solidFill>
-                <a:latin typeface="나눔스퀘어OTF_ac Bold" panose="020B0600000101010101" pitchFamily="34" charset="-127"/>
-                <a:ea typeface="나눔스퀘어OTF_ac Bold" panose="020B0600000101010101" pitchFamily="34" charset="-127"/>
-              </a:endParaRPr>
             </a:p>
           </p:txBody>
         </p:sp>
       </p:grpSp>
-      <p:sp>
-        <p:nvSpPr>
-          <p:cNvPr id="15" name="사각형: 둥근 모서리 14">
-            <a:extLst>
-              <a:ext uri="{FF2B5EF4-FFF2-40B4-BE49-F238E27FC236}">
-                <a16:creationId xmlns:a16="http://schemas.microsoft.com/office/drawing/2014/main" id="{616F09C2-03A0-E0B6-6565-2154384034B1}"/>
-              </a:ext>
-            </a:extLst>
-          </p:cNvPr>
-          <p:cNvSpPr/>
-          <p:nvPr/>
-        </p:nvSpPr>
-        <p:spPr>
-          <a:xfrm>
-            <a:off x="819736" y="1773887"/>
-            <a:ext cx="1369443" cy="441680"/>
-          </a:xfrm>
-          <a:prstGeom prst="roundRect">
-            <a:avLst>
-              <a:gd name="adj" fmla="val 0"/>
-            </a:avLst>
-          </a:prstGeom>
-          <a:solidFill>
-            <a:schemeClr val="bg1">
-              <a:alpha val="50000"/>
-            </a:schemeClr>
-          </a:solidFill>
-          <a:ln>
-            <a:noFill/>
-          </a:ln>
-        </p:spPr>
-        <p:style>
-          <a:lnRef idx="2">
-            <a:schemeClr val="accent1">
-              <a:shade val="50000"/>
-            </a:schemeClr>
-          </a:lnRef>
-          <a:fillRef idx="1">
-            <a:schemeClr val="accent1"/>
-          </a:fillRef>
-          <a:effectRef idx="0">
-            <a:schemeClr val="accent1"/>
-          </a:effectRef>
-          <a:fontRef idx="minor">
-            <a:schemeClr val="lt1"/>
-          </a:fontRef>
-        </p:style>
-        <p:txBody>
-          <a:bodyPr rtlCol="0" anchor="ctr"/>
-          <a:lstStyle/>
-          <a:p>
-            <a:pPr algn="ctr"/>
-            <a:r>
-              <a:rPr lang="en-US" altLang="ko-KR" sz="1600" dirty="0">
-                <a:solidFill>
-                  <a:schemeClr val="tx1">
-                    <a:lumMod val="75000"/>
-                    <a:lumOff val="25000"/>
-                  </a:schemeClr>
-                </a:solidFill>
-                <a:latin typeface="나눔스퀘어OTF_ac Bold" panose="020B0600000101010101" pitchFamily="34" charset="-127"/>
-                <a:ea typeface="나눔스퀘어OTF_ac Bold" panose="020B0600000101010101" pitchFamily="34" charset="-127"/>
-              </a:rPr>
-              <a:t>1. Table</a:t>
-            </a:r>
-            <a:r>
-              <a:rPr lang="ko-KR" altLang="en-US" sz="1600" dirty="0">
-                <a:solidFill>
-                  <a:schemeClr val="tx1">
-                    <a:lumMod val="75000"/>
-                    <a:lumOff val="25000"/>
-                  </a:schemeClr>
-                </a:solidFill>
-                <a:latin typeface="나눔스퀘어OTF_ac Bold" panose="020B0600000101010101" pitchFamily="34" charset="-127"/>
-                <a:ea typeface="나눔스퀘어OTF_ac Bold" panose="020B0600000101010101" pitchFamily="34" charset="-127"/>
-              </a:rPr>
-              <a:t> 작성</a:t>
-            </a:r>
-          </a:p>
-        </p:txBody>
-      </p:sp>
       <p:grpSp>
         <p:nvGrpSpPr>
           <p:cNvPr id="20" name="그룹 19">
@@ -7907,10 +7486,10 @@
         </p:nvGrpSpPr>
         <p:grpSpPr>
           <a:xfrm>
-            <a:off x="3285747" y="3345410"/>
-            <a:ext cx="1759962" cy="1718862"/>
+            <a:off x="5723863" y="2475909"/>
+            <a:ext cx="1832335" cy="1149990"/>
             <a:chOff x="402768" y="4365916"/>
-            <a:chExt cx="2114284" cy="2064910"/>
+            <a:chExt cx="2114284" cy="1697816"/>
           </a:xfrm>
         </p:grpSpPr>
         <p:sp>
@@ -7928,7 +7507,7 @@
           <p:spPr>
             <a:xfrm>
               <a:off x="402768" y="4365916"/>
-              <a:ext cx="2114284" cy="2064910"/>
+              <a:ext cx="2114284" cy="1697816"/>
             </a:xfrm>
             <a:prstGeom prst="roundRect">
               <a:avLst>
@@ -7963,7 +7542,7 @@
             <a:lstStyle/>
             <a:p>
               <a:pPr algn="ctr"/>
-              <a:endParaRPr lang="ko-KR" altLang="en-US" sz="1600"/>
+              <a:endParaRPr lang="ko-KR" altLang="en-US" sz="1400"/>
             </a:p>
           </p:txBody>
         </p:sp>
@@ -7981,7 +7560,7 @@
           </p:nvSpPr>
           <p:spPr>
             <a:xfrm>
-              <a:off x="540845" y="5050842"/>
+              <a:off x="552123" y="5029907"/>
               <a:ext cx="1838132" cy="453551"/>
             </a:xfrm>
             <a:prstGeom prst="roundRect">
@@ -8014,86 +7593,24 @@
             <a:bodyPr rtlCol="0" anchor="ctr"/>
             <a:lstStyle/>
             <a:p>
-              <a:pPr algn="ctr">
-                <a:lnSpc>
-                  <a:spcPts val="2000"/>
-                </a:lnSpc>
-              </a:pPr>
+              <a:pPr algn="ctr"/>
               <a:r>
-                <a:rPr lang="en-US" altLang="ko-KR" sz="1400" dirty="0">
+                <a:rPr lang="en-US" altLang="ko-KR" sz="1200" dirty="0" err="1">
                   <a:solidFill>
                     <a:schemeClr val="dk1"/>
                   </a:solidFill>
                   <a:latin typeface="나눔스퀘어OTF_ac Bold" panose="020B0600000101010101" pitchFamily="34" charset="-127"/>
                   <a:ea typeface="나눔스퀘어OTF_ac Bold" panose="020B0600000101010101" pitchFamily="34" charset="-127"/>
                 </a:rPr>
-                <a:t>DAO</a:t>
+                <a:t>db</a:t>
               </a:r>
-            </a:p>
-          </p:txBody>
-        </p:sp>
-        <p:sp>
-          <p:nvSpPr>
-            <p:cNvPr id="29" name="사각형: 둥근 모서리 28">
-              <a:extLst>
-                <a:ext uri="{FF2B5EF4-FFF2-40B4-BE49-F238E27FC236}">
-                  <a16:creationId xmlns:a16="http://schemas.microsoft.com/office/drawing/2014/main" id="{BE8F7C72-761E-B096-7D6F-58242C9F1AF7}"/>
-                </a:ext>
-              </a:extLst>
-            </p:cNvPr>
-            <p:cNvSpPr/>
-            <p:nvPr/>
-          </p:nvSpPr>
-          <p:spPr>
-            <a:xfrm>
-              <a:off x="540845" y="5677404"/>
-              <a:ext cx="1838132" cy="453551"/>
-            </a:xfrm>
-            <a:prstGeom prst="roundRect">
-              <a:avLst/>
-            </a:prstGeom>
-            <a:solidFill>
-              <a:srgbClr val="FFFFFF"/>
-            </a:solidFill>
-            <a:ln>
-              <a:noFill/>
-            </a:ln>
-          </p:spPr>
-          <p:style>
-            <a:lnRef idx="2">
-              <a:schemeClr val="accent1">
-                <a:shade val="50000"/>
-              </a:schemeClr>
-            </a:lnRef>
-            <a:fillRef idx="1">
-              <a:schemeClr val="accent1"/>
-            </a:fillRef>
-            <a:effectRef idx="0">
-              <a:schemeClr val="accent1"/>
-            </a:effectRef>
-            <a:fontRef idx="minor">
-              <a:schemeClr val="lt1"/>
-            </a:fontRef>
-          </p:style>
-          <p:txBody>
-            <a:bodyPr rtlCol="0" anchor="ctr"/>
-            <a:lstStyle/>
-            <a:p>
-              <a:pPr algn="ctr">
-                <a:lnSpc>
-                  <a:spcPts val="2000"/>
-                </a:lnSpc>
-              </a:pPr>
-              <a:r>
-                <a:rPr lang="en-US" altLang="ko-KR" sz="1400" dirty="0">
-                  <a:solidFill>
-                    <a:schemeClr val="dk1"/>
-                  </a:solidFill>
-                  <a:latin typeface="나눔스퀘어OTF_ac Bold" panose="020B0600000101010101" pitchFamily="34" charset="-127"/>
-                  <a:ea typeface="나눔스퀘어OTF_ac Bold" panose="020B0600000101010101" pitchFamily="34" charset="-127"/>
-                </a:rPr>
-                <a:t>Service</a:t>
-              </a:r>
+              <a:endParaRPr lang="en-US" altLang="ko-KR" sz="1200" dirty="0">
+                <a:solidFill>
+                  <a:schemeClr val="dk1"/>
+                </a:solidFill>
+                <a:latin typeface="나눔스퀘어OTF_ac Bold" panose="020B0600000101010101" pitchFamily="34" charset="-127"/>
+                <a:ea typeface="나눔스퀘어OTF_ac Bold" panose="020B0600000101010101" pitchFamily="34" charset="-127"/>
+              </a:endParaRPr>
             </a:p>
           </p:txBody>
         </p:sp>
@@ -8144,16 +7661,16 @@
             <a:p>
               <a:pPr algn="ctr"/>
               <a:r>
-                <a:rPr lang="en-US" altLang="ko-KR" sz="1600" dirty="0">
+                <a:rPr lang="en-US" altLang="ko-KR" sz="1400" dirty="0">
                   <a:solidFill>
                     <a:schemeClr val="tx2"/>
                   </a:solidFill>
                   <a:latin typeface="나눔스퀘어OTF_ac Bold" panose="020B0600000101010101" pitchFamily="34" charset="-127"/>
                   <a:ea typeface="나눔스퀘어OTF_ac Bold" panose="020B0600000101010101" pitchFamily="34" charset="-127"/>
                 </a:rPr>
-                <a:t>Model</a:t>
+                <a:t>properties</a:t>
               </a:r>
-              <a:endParaRPr lang="ko-KR" altLang="en-US" sz="1600" dirty="0">
+              <a:endParaRPr lang="ko-KR" altLang="en-US" sz="1400" dirty="0">
                 <a:solidFill>
                   <a:schemeClr val="tx2"/>
                 </a:solidFill>
@@ -8240,7 +7757,7 @@
         </p:blipFill>
         <p:spPr bwMode="auto">
           <a:xfrm>
-            <a:off x="-923522" y="7066997"/>
+            <a:off x="-1038395" y="7010567"/>
             <a:ext cx="3825483" cy="2550322"/>
           </a:xfrm>
           <a:prstGeom prst="rect">
@@ -8258,6 +7775,778 @@
           </a:extLst>
         </p:spPr>
       </p:pic>
+      <p:grpSp>
+        <p:nvGrpSpPr>
+          <p:cNvPr id="9" name="그룹 8">
+            <a:extLst>
+              <a:ext uri="{FF2B5EF4-FFF2-40B4-BE49-F238E27FC236}">
+                <a16:creationId xmlns:a16="http://schemas.microsoft.com/office/drawing/2014/main" id="{9D649EB7-D346-E989-577D-4DD047C46EB4}"/>
+              </a:ext>
+            </a:extLst>
+          </p:cNvPr>
+          <p:cNvGrpSpPr/>
+          <p:nvPr/>
+        </p:nvGrpSpPr>
+        <p:grpSpPr>
+          <a:xfrm>
+            <a:off x="5733637" y="3918026"/>
+            <a:ext cx="1832335" cy="1149990"/>
+            <a:chOff x="402768" y="4355565"/>
+            <a:chExt cx="2114284" cy="1367158"/>
+          </a:xfrm>
+        </p:grpSpPr>
+        <p:sp>
+          <p:nvSpPr>
+            <p:cNvPr id="10" name="사각형: 둥근 모서리 9">
+              <a:extLst>
+                <a:ext uri="{FF2B5EF4-FFF2-40B4-BE49-F238E27FC236}">
+                  <a16:creationId xmlns:a16="http://schemas.microsoft.com/office/drawing/2014/main" id="{B538A6EF-C30F-3B1C-9C6D-3C0F0980575D}"/>
+                </a:ext>
+              </a:extLst>
+            </p:cNvPr>
+            <p:cNvSpPr/>
+            <p:nvPr/>
+          </p:nvSpPr>
+          <p:spPr>
+            <a:xfrm>
+              <a:off x="402768" y="4355565"/>
+              <a:ext cx="2114284" cy="1367158"/>
+            </a:xfrm>
+            <a:prstGeom prst="roundRect">
+              <a:avLst>
+                <a:gd name="adj" fmla="val 11862"/>
+              </a:avLst>
+            </a:prstGeom>
+            <a:solidFill>
+              <a:srgbClr val="FCFBF5"/>
+            </a:solidFill>
+            <a:ln>
+              <a:solidFill>
+                <a:srgbClr val="6CAEED"/>
+              </a:solidFill>
+            </a:ln>
+          </p:spPr>
+          <p:style>
+            <a:lnRef idx="2">
+              <a:schemeClr val="accent1">
+                <a:shade val="50000"/>
+              </a:schemeClr>
+            </a:lnRef>
+            <a:fillRef idx="1">
+              <a:schemeClr val="accent1"/>
+            </a:fillRef>
+            <a:effectRef idx="0">
+              <a:schemeClr val="accent1"/>
+            </a:effectRef>
+            <a:fontRef idx="minor">
+              <a:schemeClr val="lt1"/>
+            </a:fontRef>
+          </p:style>
+          <p:txBody>
+            <a:bodyPr rtlCol="0" anchor="ctr"/>
+            <a:lstStyle/>
+            <a:p>
+              <a:pPr algn="ctr"/>
+              <a:endParaRPr lang="ko-KR" altLang="en-US" sz="1400"/>
+            </a:p>
+          </p:txBody>
+        </p:sp>
+        <p:sp>
+          <p:nvSpPr>
+            <p:cNvPr id="13" name="사각형: 둥근 모서리 12">
+              <a:extLst>
+                <a:ext uri="{FF2B5EF4-FFF2-40B4-BE49-F238E27FC236}">
+                  <a16:creationId xmlns:a16="http://schemas.microsoft.com/office/drawing/2014/main" id="{850E3F9E-3B61-2DA8-8DCB-251071D670DE}"/>
+                </a:ext>
+              </a:extLst>
+            </p:cNvPr>
+            <p:cNvSpPr/>
+            <p:nvPr/>
+          </p:nvSpPr>
+          <p:spPr>
+            <a:xfrm>
+              <a:off x="730641" y="4382748"/>
+              <a:ext cx="1458538" cy="453551"/>
+            </a:xfrm>
+            <a:prstGeom prst="roundRect">
+              <a:avLst/>
+            </a:prstGeom>
+            <a:noFill/>
+            <a:ln>
+              <a:noFill/>
+            </a:ln>
+          </p:spPr>
+          <p:style>
+            <a:lnRef idx="2">
+              <a:schemeClr val="accent1">
+                <a:shade val="50000"/>
+              </a:schemeClr>
+            </a:lnRef>
+            <a:fillRef idx="1">
+              <a:schemeClr val="accent1"/>
+            </a:fillRef>
+            <a:effectRef idx="0">
+              <a:schemeClr val="accent1"/>
+            </a:effectRef>
+            <a:fontRef idx="minor">
+              <a:schemeClr val="lt1"/>
+            </a:fontRef>
+          </p:style>
+          <p:txBody>
+            <a:bodyPr rtlCol="0" anchor="ctr"/>
+            <a:lstStyle/>
+            <a:p>
+              <a:pPr algn="ctr"/>
+              <a:r>
+                <a:rPr lang="en-US" altLang="ko-KR" sz="1400" dirty="0">
+                  <a:solidFill>
+                    <a:schemeClr val="tx2"/>
+                  </a:solidFill>
+                  <a:latin typeface="나눔스퀘어OTF_ac Bold" panose="020B0600000101010101" pitchFamily="34" charset="-127"/>
+                  <a:ea typeface="나눔스퀘어OTF_ac Bold" panose="020B0600000101010101" pitchFamily="34" charset="-127"/>
+                </a:rPr>
+                <a:t>config</a:t>
+              </a:r>
+              <a:endParaRPr lang="ko-KR" altLang="en-US" sz="1400" dirty="0">
+                <a:solidFill>
+                  <a:schemeClr val="tx2"/>
+                </a:solidFill>
+                <a:latin typeface="나눔스퀘어OTF_ac Bold" panose="020B0600000101010101" pitchFamily="34" charset="-127"/>
+                <a:ea typeface="나눔스퀘어OTF_ac Bold" panose="020B0600000101010101" pitchFamily="34" charset="-127"/>
+              </a:endParaRPr>
+            </a:p>
+          </p:txBody>
+        </p:sp>
+        <p:sp>
+          <p:nvSpPr>
+            <p:cNvPr id="14" name="사각형: 둥근 모서리 13">
+              <a:extLst>
+                <a:ext uri="{FF2B5EF4-FFF2-40B4-BE49-F238E27FC236}">
+                  <a16:creationId xmlns:a16="http://schemas.microsoft.com/office/drawing/2014/main" id="{3BBB5F9E-32AB-0723-E6B3-DDF9D57BBB7D}"/>
+                </a:ext>
+              </a:extLst>
+            </p:cNvPr>
+            <p:cNvSpPr/>
+            <p:nvPr/>
+          </p:nvSpPr>
+          <p:spPr>
+            <a:xfrm>
+              <a:off x="540844" y="4824796"/>
+              <a:ext cx="1838132" cy="414191"/>
+            </a:xfrm>
+            <a:prstGeom prst="roundRect">
+              <a:avLst/>
+            </a:prstGeom>
+            <a:solidFill>
+              <a:srgbClr val="89CFF0"/>
+            </a:solidFill>
+            <a:ln>
+              <a:noFill/>
+            </a:ln>
+          </p:spPr>
+          <p:style>
+            <a:lnRef idx="2">
+              <a:schemeClr val="accent1">
+                <a:shade val="50000"/>
+              </a:schemeClr>
+            </a:lnRef>
+            <a:fillRef idx="1">
+              <a:schemeClr val="accent1"/>
+            </a:fillRef>
+            <a:effectRef idx="0">
+              <a:schemeClr val="accent1"/>
+            </a:effectRef>
+            <a:fontRef idx="minor">
+              <a:schemeClr val="lt1"/>
+            </a:fontRef>
+          </p:style>
+          <p:txBody>
+            <a:bodyPr rtlCol="0" anchor="ctr"/>
+            <a:lstStyle/>
+            <a:p>
+              <a:pPr algn="ctr">
+                <a:lnSpc>
+                  <a:spcPts val="2000"/>
+                </a:lnSpc>
+              </a:pPr>
+              <a:r>
+                <a:rPr lang="en-US" altLang="ko-KR" sz="1200" dirty="0" err="1">
+                  <a:solidFill>
+                    <a:schemeClr val="dk1"/>
+                  </a:solidFill>
+                  <a:latin typeface="나눔스퀘어OTF_ac Bold" panose="020B0600000101010101" pitchFamily="34" charset="-127"/>
+                  <a:ea typeface="나눔스퀘어OTF_ac Bold" panose="020B0600000101010101" pitchFamily="34" charset="-127"/>
+                </a:rPr>
+                <a:t>ServletAppContext</a:t>
+              </a:r>
+              <a:endParaRPr lang="en-US" altLang="ko-KR" sz="1200" dirty="0">
+                <a:solidFill>
+                  <a:schemeClr val="dk1"/>
+                </a:solidFill>
+                <a:latin typeface="나눔스퀘어OTF_ac Bold" panose="020B0600000101010101" pitchFamily="34" charset="-127"/>
+                <a:ea typeface="나눔스퀘어OTF_ac Bold" panose="020B0600000101010101" pitchFamily="34" charset="-127"/>
+              </a:endParaRPr>
+            </a:p>
+          </p:txBody>
+        </p:sp>
+      </p:grpSp>
+      <p:sp>
+        <p:nvSpPr>
+          <p:cNvPr id="18" name="TextBox 17">
+            <a:extLst>
+              <a:ext uri="{FF2B5EF4-FFF2-40B4-BE49-F238E27FC236}">
+                <a16:creationId xmlns:a16="http://schemas.microsoft.com/office/drawing/2014/main" id="{73AD051B-8476-3467-7E6E-5F9D5E5454EF}"/>
+              </a:ext>
+            </a:extLst>
+          </p:cNvPr>
+          <p:cNvSpPr txBox="1"/>
+          <p:nvPr/>
+        </p:nvSpPr>
+        <p:spPr>
+          <a:xfrm>
+            <a:off x="5838528" y="3342731"/>
+            <a:ext cx="1603005" cy="261610"/>
+          </a:xfrm>
+          <a:prstGeom prst="rect">
+            <a:avLst/>
+          </a:prstGeom>
+          <a:noFill/>
+        </p:spPr>
+        <p:txBody>
+          <a:bodyPr wrap="square">
+            <a:spAutoFit/>
+          </a:bodyPr>
+          <a:lstStyle/>
+          <a:p>
+            <a:pPr marL="179388" indent="-179388">
+              <a:buFontTx/>
+              <a:buChar char="-"/>
+            </a:pPr>
+            <a:r>
+              <a:rPr lang="en-US" altLang="ko-KR" sz="1100" dirty="0">
+                <a:solidFill>
+                  <a:schemeClr val="bg1"/>
+                </a:solidFill>
+                <a:latin typeface="Consolas" panose="020B0609020204030204" pitchFamily="49" charset="0"/>
+                <a:ea typeface="나눔스퀘어OTF_ac Bold" panose="020B0600000101010101" pitchFamily="34" charset="-127"/>
+              </a:rPr>
+              <a:t>DB</a:t>
+            </a:r>
+            <a:r>
+              <a:rPr lang="ko-KR" altLang="en-US" sz="1100" dirty="0">
+                <a:solidFill>
+                  <a:schemeClr val="bg1"/>
+                </a:solidFill>
+                <a:latin typeface="Consolas" panose="020B0609020204030204" pitchFamily="49" charset="0"/>
+                <a:ea typeface="나눔스퀘어OTF_ac Bold" panose="020B0600000101010101" pitchFamily="34" charset="-127"/>
+              </a:rPr>
+              <a:t>정보 저장</a:t>
+            </a:r>
+            <a:endParaRPr lang="en-US" altLang="ko-KR" sz="1000" dirty="0">
+              <a:solidFill>
+                <a:schemeClr val="bg1"/>
+              </a:solidFill>
+              <a:latin typeface="나눔스퀘어OTF_ac Bold" panose="020B0600000101010101" pitchFamily="34" charset="-127"/>
+              <a:ea typeface="나눔스퀘어OTF_ac Bold" panose="020B0600000101010101" pitchFamily="34" charset="-127"/>
+            </a:endParaRPr>
+          </a:p>
+        </p:txBody>
+      </p:sp>
+      <p:sp>
+        <p:nvSpPr>
+          <p:cNvPr id="40" name="TextBox 39">
+            <a:extLst>
+              <a:ext uri="{FF2B5EF4-FFF2-40B4-BE49-F238E27FC236}">
+                <a16:creationId xmlns:a16="http://schemas.microsoft.com/office/drawing/2014/main" id="{CA594763-40A9-FB18-BC36-367801148374}"/>
+              </a:ext>
+            </a:extLst>
+          </p:cNvPr>
+          <p:cNvSpPr txBox="1"/>
+          <p:nvPr/>
+        </p:nvSpPr>
+        <p:spPr>
+          <a:xfrm>
+            <a:off x="5838528" y="4774857"/>
+            <a:ext cx="1603005" cy="261610"/>
+          </a:xfrm>
+          <a:prstGeom prst="rect">
+            <a:avLst/>
+          </a:prstGeom>
+          <a:noFill/>
+        </p:spPr>
+        <p:txBody>
+          <a:bodyPr wrap="square">
+            <a:spAutoFit/>
+          </a:bodyPr>
+          <a:lstStyle/>
+          <a:p>
+            <a:pPr marL="179388" indent="-179388">
+              <a:buFontTx/>
+              <a:buChar char="-"/>
+            </a:pPr>
+            <a:r>
+              <a:rPr lang="en-US" altLang="ko-KR" sz="1100" dirty="0">
+                <a:solidFill>
+                  <a:srgbClr val="002060"/>
+                </a:solidFill>
+                <a:latin typeface="Consolas" panose="020B0609020204030204" pitchFamily="49" charset="0"/>
+                <a:ea typeface="나눔스퀘어OTF_ac Bold" panose="020B0600000101010101" pitchFamily="34" charset="-127"/>
+              </a:rPr>
+              <a:t>DB</a:t>
+            </a:r>
+            <a:r>
+              <a:rPr lang="ko-KR" altLang="en-US" sz="1100" dirty="0">
+                <a:solidFill>
+                  <a:srgbClr val="002060"/>
+                </a:solidFill>
+                <a:latin typeface="Consolas" panose="020B0609020204030204" pitchFamily="49" charset="0"/>
+                <a:ea typeface="나눔스퀘어OTF_ac Bold" panose="020B0600000101010101" pitchFamily="34" charset="-127"/>
+              </a:rPr>
+              <a:t>연결</a:t>
+            </a:r>
+            <a:endParaRPr lang="en-US" altLang="ko-KR" sz="1100" dirty="0">
+              <a:solidFill>
+                <a:srgbClr val="002060"/>
+              </a:solidFill>
+              <a:latin typeface="Consolas" panose="020B0609020204030204" pitchFamily="49" charset="0"/>
+              <a:ea typeface="나눔스퀘어OTF_ac Bold" panose="020B0600000101010101" pitchFamily="34" charset="-127"/>
+            </a:endParaRPr>
+          </a:p>
+        </p:txBody>
+      </p:sp>
+      <p:cxnSp>
+        <p:nvCxnSpPr>
+          <p:cNvPr id="48" name="직선 화살표 연결선 47">
+            <a:extLst>
+              <a:ext uri="{FF2B5EF4-FFF2-40B4-BE49-F238E27FC236}">
+                <a16:creationId xmlns:a16="http://schemas.microsoft.com/office/drawing/2014/main" id="{C061C3EE-08D0-E435-5915-FC7CA6823350}"/>
+              </a:ext>
+            </a:extLst>
+          </p:cNvPr>
+          <p:cNvCxnSpPr>
+            <a:cxnSpLocks/>
+            <a:stCxn id="35" idx="2"/>
+            <a:endCxn id="22" idx="0"/>
+          </p:cNvCxnSpPr>
+          <p:nvPr/>
+        </p:nvCxnSpPr>
+        <p:spPr>
+          <a:xfrm>
+            <a:off x="6637392" y="2159184"/>
+            <a:ext cx="2639" cy="316725"/>
+          </a:xfrm>
+          <a:prstGeom prst="straightConnector1">
+            <a:avLst/>
+          </a:prstGeom>
+          <a:ln w="57150">
+            <a:solidFill>
+              <a:srgbClr val="FFA700"/>
+            </a:solidFill>
+            <a:tailEnd type="triangle"/>
+          </a:ln>
+        </p:spPr>
+        <p:style>
+          <a:lnRef idx="1">
+            <a:schemeClr val="accent1"/>
+          </a:lnRef>
+          <a:fillRef idx="0">
+            <a:schemeClr val="accent1"/>
+          </a:fillRef>
+          <a:effectRef idx="0">
+            <a:schemeClr val="accent1"/>
+          </a:effectRef>
+          <a:fontRef idx="minor">
+            <a:schemeClr val="tx1"/>
+          </a:fontRef>
+        </p:style>
+      </p:cxnSp>
+      <p:cxnSp>
+        <p:nvCxnSpPr>
+          <p:cNvPr id="60" name="직선 화살표 연결선 59">
+            <a:extLst>
+              <a:ext uri="{FF2B5EF4-FFF2-40B4-BE49-F238E27FC236}">
+                <a16:creationId xmlns:a16="http://schemas.microsoft.com/office/drawing/2014/main" id="{1E91B23C-477B-5E8A-1CFF-242263871702}"/>
+              </a:ext>
+            </a:extLst>
+          </p:cNvPr>
+          <p:cNvCxnSpPr>
+            <a:cxnSpLocks/>
+          </p:cNvCxnSpPr>
+          <p:nvPr/>
+        </p:nvCxnSpPr>
+        <p:spPr>
+          <a:xfrm>
+            <a:off x="6640030" y="3683542"/>
+            <a:ext cx="0" cy="258792"/>
+          </a:xfrm>
+          <a:prstGeom prst="straightConnector1">
+            <a:avLst/>
+          </a:prstGeom>
+          <a:ln w="57150">
+            <a:solidFill>
+              <a:srgbClr val="FFA700"/>
+            </a:solidFill>
+            <a:tailEnd type="triangle"/>
+          </a:ln>
+        </p:spPr>
+        <p:style>
+          <a:lnRef idx="1">
+            <a:schemeClr val="accent1"/>
+          </a:lnRef>
+          <a:fillRef idx="0">
+            <a:schemeClr val="accent1"/>
+          </a:fillRef>
+          <a:effectRef idx="0">
+            <a:schemeClr val="accent1"/>
+          </a:effectRef>
+          <a:fontRef idx="minor">
+            <a:schemeClr val="tx1"/>
+          </a:fontRef>
+        </p:style>
+      </p:cxnSp>
+      <p:grpSp>
+        <p:nvGrpSpPr>
+          <p:cNvPr id="1034" name="그룹 1033">
+            <a:extLst>
+              <a:ext uri="{FF2B5EF4-FFF2-40B4-BE49-F238E27FC236}">
+                <a16:creationId xmlns:a16="http://schemas.microsoft.com/office/drawing/2014/main" id="{12AB8515-291E-A8CF-97DB-6AFCBEECF5A6}"/>
+              </a:ext>
+            </a:extLst>
+          </p:cNvPr>
+          <p:cNvGrpSpPr/>
+          <p:nvPr/>
+        </p:nvGrpSpPr>
+        <p:grpSpPr>
+          <a:xfrm>
+            <a:off x="837166" y="1344565"/>
+            <a:ext cx="1832334" cy="1547144"/>
+            <a:chOff x="753767" y="1019845"/>
+            <a:chExt cx="1832334" cy="1547144"/>
+          </a:xfrm>
+        </p:grpSpPr>
+        <p:sp>
+          <p:nvSpPr>
+            <p:cNvPr id="3" name="사각형: 둥근 모서리 2">
+              <a:extLst>
+                <a:ext uri="{FF2B5EF4-FFF2-40B4-BE49-F238E27FC236}">
+                  <a16:creationId xmlns:a16="http://schemas.microsoft.com/office/drawing/2014/main" id="{00820E51-A979-F368-E43E-A8BB455002DC}"/>
+                </a:ext>
+              </a:extLst>
+            </p:cNvPr>
+            <p:cNvSpPr/>
+            <p:nvPr/>
+          </p:nvSpPr>
+          <p:spPr>
+            <a:xfrm>
+              <a:off x="753767" y="1019845"/>
+              <a:ext cx="1832334" cy="1547144"/>
+            </a:xfrm>
+            <a:prstGeom prst="roundRect">
+              <a:avLst>
+                <a:gd name="adj" fmla="val 11742"/>
+              </a:avLst>
+            </a:prstGeom>
+            <a:noFill/>
+          </p:spPr>
+          <p:style>
+            <a:lnRef idx="2">
+              <a:schemeClr val="accent1">
+                <a:shade val="50000"/>
+              </a:schemeClr>
+            </a:lnRef>
+            <a:fillRef idx="1">
+              <a:schemeClr val="accent1"/>
+            </a:fillRef>
+            <a:effectRef idx="0">
+              <a:schemeClr val="accent1"/>
+            </a:effectRef>
+            <a:fontRef idx="minor">
+              <a:schemeClr val="lt1"/>
+            </a:fontRef>
+          </p:style>
+          <p:txBody>
+            <a:bodyPr rtlCol="0" anchor="ctr"/>
+            <a:lstStyle/>
+            <a:p>
+              <a:pPr algn="ctr"/>
+              <a:endParaRPr lang="ko-KR" altLang="en-US"/>
+            </a:p>
+          </p:txBody>
+        </p:sp>
+        <p:sp>
+          <p:nvSpPr>
+            <p:cNvPr id="6" name="사각형: 둥근 모서리 5">
+              <a:extLst>
+                <a:ext uri="{FF2B5EF4-FFF2-40B4-BE49-F238E27FC236}">
+                  <a16:creationId xmlns:a16="http://schemas.microsoft.com/office/drawing/2014/main" id="{421038AA-9950-4CEE-4EA1-855DB882DF85}"/>
+                </a:ext>
+              </a:extLst>
+            </p:cNvPr>
+            <p:cNvSpPr/>
+            <p:nvPr/>
+          </p:nvSpPr>
+          <p:spPr>
+            <a:xfrm>
+              <a:off x="896022" y="1373209"/>
+              <a:ext cx="1469131" cy="287794"/>
+            </a:xfrm>
+            <a:prstGeom prst="roundRect">
+              <a:avLst>
+                <a:gd name="adj" fmla="val 15712"/>
+              </a:avLst>
+            </a:prstGeom>
+            <a:solidFill>
+              <a:srgbClr val="BDE0FE"/>
+            </a:solidFill>
+            <a:ln>
+              <a:noFill/>
+            </a:ln>
+          </p:spPr>
+          <p:style>
+            <a:lnRef idx="2">
+              <a:schemeClr val="accent1">
+                <a:shade val="50000"/>
+              </a:schemeClr>
+            </a:lnRef>
+            <a:fillRef idx="1">
+              <a:schemeClr val="accent1"/>
+            </a:fillRef>
+            <a:effectRef idx="0">
+              <a:schemeClr val="accent1"/>
+            </a:effectRef>
+            <a:fontRef idx="minor">
+              <a:schemeClr val="lt1"/>
+            </a:fontRef>
+          </p:style>
+          <p:txBody>
+            <a:bodyPr rtlCol="0" anchor="ctr"/>
+            <a:lstStyle/>
+            <a:p>
+              <a:pPr algn="ctr"/>
+              <a:r>
+                <a:rPr lang="en-US" altLang="ko-KR" sz="1200" dirty="0">
+                  <a:solidFill>
+                    <a:schemeClr val="dk1"/>
+                  </a:solidFill>
+                  <a:latin typeface="나눔스퀘어OTF_ac Bold" panose="020B0600000101010101" pitchFamily="34" charset="-127"/>
+                  <a:ea typeface="나눔스퀘어OTF_ac Bold" panose="020B0600000101010101" pitchFamily="34" charset="-127"/>
+                </a:rPr>
+                <a:t>Pom.xml</a:t>
+              </a:r>
+            </a:p>
+          </p:txBody>
+        </p:sp>
+        <p:sp>
+          <p:nvSpPr>
+            <p:cNvPr id="8" name="TextBox 7">
+              <a:extLst>
+                <a:ext uri="{FF2B5EF4-FFF2-40B4-BE49-F238E27FC236}">
+                  <a16:creationId xmlns:a16="http://schemas.microsoft.com/office/drawing/2014/main" id="{49B0D8A9-5AB5-9E2C-E077-CF5813A4158C}"/>
+                </a:ext>
+              </a:extLst>
+            </p:cNvPr>
+            <p:cNvSpPr txBox="1"/>
+            <p:nvPr/>
+          </p:nvSpPr>
+          <p:spPr>
+            <a:xfrm>
+              <a:off x="836798" y="1661003"/>
+              <a:ext cx="1672588" cy="830997"/>
+            </a:xfrm>
+            <a:prstGeom prst="rect">
+              <a:avLst/>
+            </a:prstGeom>
+            <a:noFill/>
+          </p:spPr>
+          <p:txBody>
+            <a:bodyPr wrap="square">
+              <a:spAutoFit/>
+            </a:bodyPr>
+            <a:lstStyle/>
+            <a:p>
+              <a:pPr marL="179388" indent="-179388">
+                <a:buFontTx/>
+                <a:buChar char="-"/>
+              </a:pPr>
+              <a:r>
+                <a:rPr lang="en-US" altLang="ko-KR" sz="1200" dirty="0" err="1">
+                  <a:solidFill>
+                    <a:schemeClr val="tx1">
+                      <a:lumMod val="50000"/>
+                      <a:lumOff val="50000"/>
+                    </a:schemeClr>
+                  </a:solidFill>
+                  <a:latin typeface="Consolas" panose="020B0609020204030204" pitchFamily="49" charset="0"/>
+                </a:rPr>
+                <a:t>Mybatis</a:t>
+              </a:r>
+              <a:endParaRPr lang="en-US" altLang="ko-KR" sz="1050" dirty="0">
+                <a:solidFill>
+                  <a:schemeClr val="tx1">
+                    <a:lumMod val="50000"/>
+                    <a:lumOff val="50000"/>
+                  </a:schemeClr>
+                </a:solidFill>
+                <a:latin typeface="나눔스퀘어OTF_ac Bold" panose="020B0600000101010101" pitchFamily="34" charset="-127"/>
+                <a:ea typeface="나눔스퀘어OTF_ac Bold" panose="020B0600000101010101" pitchFamily="34" charset="-127"/>
+              </a:endParaRPr>
+            </a:p>
+            <a:p>
+              <a:pPr marL="179388" indent="-179388">
+                <a:buFontTx/>
+                <a:buChar char="-"/>
+              </a:pPr>
+              <a:r>
+                <a:rPr lang="en-US" altLang="ko-KR" sz="1200" dirty="0" err="1">
+                  <a:solidFill>
+                    <a:schemeClr val="tx1">
+                      <a:lumMod val="50000"/>
+                      <a:lumOff val="50000"/>
+                    </a:schemeClr>
+                  </a:solidFill>
+                  <a:latin typeface="Consolas" panose="020B0609020204030204" pitchFamily="49" charset="0"/>
+                </a:rPr>
+                <a:t>Springframework</a:t>
+              </a:r>
+              <a:endParaRPr lang="en-US" altLang="ko-KR" sz="1050" dirty="0">
+                <a:solidFill>
+                  <a:schemeClr val="tx1">
+                    <a:lumMod val="50000"/>
+                    <a:lumOff val="50000"/>
+                  </a:schemeClr>
+                </a:solidFill>
+                <a:latin typeface="나눔스퀘어OTF_ac Bold" panose="020B0600000101010101" pitchFamily="34" charset="-127"/>
+                <a:ea typeface="나눔스퀘어OTF_ac Bold" panose="020B0600000101010101" pitchFamily="34" charset="-127"/>
+              </a:endParaRPr>
+            </a:p>
+            <a:p>
+              <a:pPr marL="179388" indent="-179388">
+                <a:buFontTx/>
+                <a:buChar char="-"/>
+              </a:pPr>
+              <a:r>
+                <a:rPr lang="en-US" altLang="ko-KR" sz="1200" u="sng" dirty="0">
+                  <a:solidFill>
+                    <a:schemeClr val="tx1">
+                      <a:lumMod val="50000"/>
+                      <a:lumOff val="50000"/>
+                    </a:schemeClr>
+                  </a:solidFill>
+                  <a:latin typeface="Consolas" panose="020B0609020204030204" pitchFamily="49" charset="0"/>
+                </a:rPr>
+                <a:t>Apache</a:t>
+              </a:r>
+              <a:endParaRPr lang="en-US" altLang="ko-KR" sz="1050" u="sng" dirty="0">
+                <a:solidFill>
+                  <a:schemeClr val="tx1">
+                    <a:lumMod val="50000"/>
+                    <a:lumOff val="50000"/>
+                  </a:schemeClr>
+                </a:solidFill>
+                <a:latin typeface="나눔스퀘어OTF_ac Bold" panose="020B0600000101010101" pitchFamily="34" charset="-127"/>
+                <a:ea typeface="나눔스퀘어OTF_ac Bold" panose="020B0600000101010101" pitchFamily="34" charset="-127"/>
+              </a:endParaRPr>
+            </a:p>
+            <a:p>
+              <a:pPr marL="179388" indent="-179388">
+                <a:buFontTx/>
+                <a:buChar char="-"/>
+              </a:pPr>
+              <a:r>
+                <a:rPr lang="en-US" altLang="ko-KR" sz="1200" dirty="0">
+                  <a:solidFill>
+                    <a:schemeClr val="tx1">
+                      <a:lumMod val="50000"/>
+                      <a:lumOff val="50000"/>
+                    </a:schemeClr>
+                  </a:solidFill>
+                  <a:latin typeface="Consolas" panose="020B0609020204030204" pitchFamily="49" charset="0"/>
+                </a:rPr>
+                <a:t>servlet</a:t>
+              </a:r>
+              <a:endParaRPr lang="en-US" altLang="ko-KR" sz="1050" dirty="0">
+                <a:solidFill>
+                  <a:schemeClr val="tx1">
+                    <a:lumMod val="50000"/>
+                    <a:lumOff val="50000"/>
+                  </a:schemeClr>
+                </a:solidFill>
+                <a:latin typeface="나눔스퀘어OTF_ac Bold" panose="020B0600000101010101" pitchFamily="34" charset="-127"/>
+                <a:ea typeface="나눔스퀘어OTF_ac Bold" panose="020B0600000101010101" pitchFamily="34" charset="-127"/>
+              </a:endParaRPr>
+            </a:p>
+          </p:txBody>
+        </p:sp>
+        <p:sp>
+          <p:nvSpPr>
+            <p:cNvPr id="1033" name="사각형: 둥근 모서리 1032">
+              <a:extLst>
+                <a:ext uri="{FF2B5EF4-FFF2-40B4-BE49-F238E27FC236}">
+                  <a16:creationId xmlns:a16="http://schemas.microsoft.com/office/drawing/2014/main" id="{98B80794-FC88-568D-F1D4-7832E9CE0D8A}"/>
+                </a:ext>
+              </a:extLst>
+            </p:cNvPr>
+            <p:cNvSpPr/>
+            <p:nvPr/>
+          </p:nvSpPr>
+          <p:spPr>
+            <a:xfrm>
+              <a:off x="889002" y="1070431"/>
+              <a:ext cx="1555855" cy="307206"/>
+            </a:xfrm>
+            <a:prstGeom prst="roundRect">
+              <a:avLst/>
+            </a:prstGeom>
+            <a:noFill/>
+            <a:ln>
+              <a:noFill/>
+            </a:ln>
+          </p:spPr>
+          <p:style>
+            <a:lnRef idx="2">
+              <a:schemeClr val="accent1">
+                <a:shade val="50000"/>
+              </a:schemeClr>
+            </a:lnRef>
+            <a:fillRef idx="1">
+              <a:schemeClr val="accent1"/>
+            </a:fillRef>
+            <a:effectRef idx="0">
+              <a:schemeClr val="accent1"/>
+            </a:effectRef>
+            <a:fontRef idx="minor">
+              <a:schemeClr val="lt1"/>
+            </a:fontRef>
+          </p:style>
+          <p:txBody>
+            <a:bodyPr rtlCol="0" anchor="ctr"/>
+            <a:lstStyle/>
+            <a:p>
+              <a:pPr algn="ctr"/>
+              <a:r>
+                <a:rPr lang="en-US" altLang="ko-KR" sz="1400" dirty="0">
+                  <a:solidFill>
+                    <a:schemeClr val="tx2"/>
+                  </a:solidFill>
+                  <a:latin typeface="나눔스퀘어OTF_ac Bold" panose="020B0600000101010101" pitchFamily="34" charset="-127"/>
+                  <a:ea typeface="나눔스퀘어OTF_ac Bold" panose="020B0600000101010101" pitchFamily="34" charset="-127"/>
+                </a:rPr>
+                <a:t>Repository </a:t>
+              </a:r>
+              <a:r>
+                <a:rPr lang="ko-KR" altLang="en-US" sz="1400" dirty="0">
+                  <a:solidFill>
+                    <a:schemeClr val="tx2"/>
+                  </a:solidFill>
+                  <a:latin typeface="나눔스퀘어OTF_ac Bold" panose="020B0600000101010101" pitchFamily="34" charset="-127"/>
+                  <a:ea typeface="나눔스퀘어OTF_ac Bold" panose="020B0600000101010101" pitchFamily="34" charset="-127"/>
+                </a:rPr>
+                <a:t>등록</a:t>
+              </a:r>
+            </a:p>
+          </p:txBody>
+        </p:sp>
+      </p:grpSp>
     </p:spTree>
     <p:extLst>
       <p:ext uri="{BB962C8B-B14F-4D97-AF65-F5344CB8AC3E}">
